--- a/session4/sql_joins.pptx
+++ b/session4/sql_joins.pptx
@@ -6,7 +6,7 @@
     <p:sldMasterId id="2147483672" r:id="rId2"/>
   </p:sldMasterIdLst>
   <p:notesMasterIdLst>
-    <p:notesMasterId r:id="rId11"/>
+    <p:notesMasterId r:id="rId13"/>
   </p:notesMasterIdLst>
   <p:sldIdLst>
     <p:sldId id="256" r:id="rId3"/>
@@ -16,31 +16,33 @@
     <p:sldId id="309" r:id="rId7"/>
     <p:sldId id="304" r:id="rId8"/>
     <p:sldId id="310" r:id="rId9"/>
-    <p:sldId id="292" r:id="rId10"/>
+    <p:sldId id="311" r:id="rId10"/>
+    <p:sldId id="312" r:id="rId11"/>
+    <p:sldId id="292" r:id="rId12"/>
   </p:sldIdLst>
   <p:sldSz cx="9144000" cy="5143500" type="screen16x9"/>
   <p:notesSz cx="6858000" cy="9144000"/>
   <p:embeddedFontLst>
     <p:embeddedFont>
       <p:font typeface="Helvetica Neue" panose="02000503000000020004" pitchFamily="2" charset="0"/>
-      <p:regular r:id="rId12"/>
-      <p:bold r:id="rId13"/>
-      <p:italic r:id="rId14"/>
-      <p:boldItalic r:id="rId15"/>
+      <p:regular r:id="rId14"/>
+      <p:bold r:id="rId15"/>
+      <p:italic r:id="rId16"/>
+      <p:boldItalic r:id="rId17"/>
     </p:embeddedFont>
     <p:embeddedFont>
       <p:font typeface="Helvetica Neue Light" panose="02000403000000020004" pitchFamily="2" charset="0"/>
-      <p:regular r:id="rId16"/>
-      <p:bold r:id="rId17"/>
-      <p:italic r:id="rId18"/>
-      <p:boldItalic r:id="rId19"/>
+      <p:regular r:id="rId18"/>
+      <p:bold r:id="rId19"/>
+      <p:italic r:id="rId20"/>
+      <p:boldItalic r:id="rId21"/>
     </p:embeddedFont>
     <p:embeddedFont>
       <p:font typeface="Roboto" panose="02000000000000000000" pitchFamily="2" charset="0"/>
-      <p:regular r:id="rId20"/>
-      <p:bold r:id="rId21"/>
-      <p:italic r:id="rId22"/>
-      <p:boldItalic r:id="rId23"/>
+      <p:regular r:id="rId22"/>
+      <p:bold r:id="rId23"/>
+      <p:italic r:id="rId24"/>
+      <p:boldItalic r:id="rId25"/>
     </p:embeddedFont>
   </p:embeddedFontLst>
   <p:defaultTextStyle>
@@ -836,6 +838,110 @@
 </p:notes>
 </file>
 
+<file path=ppt/notesSlides/notesSlide10.xml><?xml version="1.0" encoding="utf-8"?>
+<p:notes xmlns:a="http://schemas.openxmlformats.org/drawingml/2006/main" xmlns:r="http://schemas.openxmlformats.org/officeDocument/2006/relationships" xmlns:p="http://schemas.openxmlformats.org/presentationml/2006/main" showMasterSp="0" showMasterPhAnim="0">
+  <p:cSld>
+    <p:spTree>
+      <p:nvGrpSpPr>
+        <p:cNvPr id="1" name="Shape 719"/>
+        <p:cNvGrpSpPr/>
+        <p:nvPr/>
+      </p:nvGrpSpPr>
+      <p:grpSpPr>
+        <a:xfrm>
+          <a:off x="0" y="0"/>
+          <a:ext cx="0" cy="0"/>
+          <a:chOff x="0" y="0"/>
+          <a:chExt cx="0" cy="0"/>
+        </a:xfrm>
+      </p:grpSpPr>
+      <p:sp>
+        <p:nvSpPr>
+          <p:cNvPr id="720" name="Google Shape;720;g4123adfa1f_2_540:notes"/>
+          <p:cNvSpPr txBox="1">
+            <a:spLocks noGrp="1"/>
+          </p:cNvSpPr>
+          <p:nvPr>
+            <p:ph type="body" idx="1"/>
+          </p:nvPr>
+        </p:nvSpPr>
+        <p:spPr>
+          <a:xfrm>
+            <a:off x="914400" y="4343400"/>
+            <a:ext cx="5029200" cy="4114800"/>
+          </a:xfrm>
+          <a:prstGeom prst="rect">
+            <a:avLst/>
+          </a:prstGeom>
+        </p:spPr>
+        <p:txBody>
+          <a:bodyPr spcFirstLastPara="1" wrap="square" lIns="91425" tIns="91425" rIns="91425" bIns="91425" anchor="t" anchorCtr="0">
+            <a:noAutofit/>
+          </a:bodyPr>
+          <a:lstStyle/>
+          <a:p>
+            <a:pPr marL="0" lvl="0" indent="0" algn="l" rtl="0">
+              <a:spcBef>
+                <a:spcPts val="0"/>
+              </a:spcBef>
+              <a:spcAft>
+                <a:spcPts val="0"/>
+              </a:spcAft>
+              <a:buNone/>
+            </a:pPr>
+            <a:endParaRPr/>
+          </a:p>
+        </p:txBody>
+      </p:sp>
+      <p:sp>
+        <p:nvSpPr>
+          <p:cNvPr id="721" name="Google Shape;721;g4123adfa1f_2_540:notes"/>
+          <p:cNvSpPr>
+            <a:spLocks noGrp="1" noRot="1" noChangeAspect="1"/>
+          </p:cNvSpPr>
+          <p:nvPr>
+            <p:ph type="sldImg" idx="2"/>
+          </p:nvPr>
+        </p:nvSpPr>
+        <p:spPr>
+          <a:xfrm>
+            <a:off x="1143000" y="685800"/>
+            <a:ext cx="4572000" cy="3429000"/>
+          </a:xfrm>
+          <a:custGeom>
+            <a:avLst/>
+            <a:gdLst/>
+            <a:ahLst/>
+            <a:cxnLst/>
+            <a:rect l="l" t="t" r="r" b="b"/>
+            <a:pathLst>
+              <a:path w="120000" h="120000" extrusionOk="0">
+                <a:moveTo>
+                  <a:pt x="0" y="0"/>
+                </a:moveTo>
+                <a:lnTo>
+                  <a:pt x="120000" y="0"/>
+                </a:lnTo>
+                <a:lnTo>
+                  <a:pt x="120000" y="120000"/>
+                </a:lnTo>
+                <a:lnTo>
+                  <a:pt x="0" y="120000"/>
+                </a:lnTo>
+                <a:close/>
+              </a:path>
+            </a:pathLst>
+          </a:custGeom>
+        </p:spPr>
+      </p:sp>
+    </p:spTree>
+  </p:cSld>
+  <p:clrMapOvr>
+    <a:masterClrMapping/>
+  </p:clrMapOvr>
+</p:notes>
+</file>
+
 <file path=ppt/notesSlides/notesSlide2.xml><?xml version="1.0" encoding="utf-8"?>
 <p:notes xmlns:a="http://schemas.openxmlformats.org/drawingml/2006/main" xmlns:r="http://schemas.openxmlformats.org/officeDocument/2006/relationships" xmlns:p="http://schemas.openxmlformats.org/presentationml/2006/main" showMasterSp="0" showMasterPhAnim="0">
   <p:cSld>
@@ -1490,7 +1596,7 @@
   <p:cSld>
     <p:spTree>
       <p:nvGrpSpPr>
-        <p:cNvPr id="1" name="Shape 719"/>
+        <p:cNvPr id="1" name="Shape 214"/>
         <p:cNvGrpSpPr/>
         <p:nvPr/>
       </p:nvGrpSpPr>
@@ -1504,7 +1610,7 @@
       </p:grpSpPr>
       <p:sp>
         <p:nvSpPr>
-          <p:cNvPr id="720" name="Google Shape;720;g4123adfa1f_2_540:notes"/>
+          <p:cNvPr id="215" name="Google Shape;215;g4123adfa1f_2_82:notes"/>
           <p:cNvSpPr txBox="1">
             <a:spLocks noGrp="1"/>
           </p:cNvSpPr>
@@ -1542,7 +1648,7 @@
       </p:sp>
       <p:sp>
         <p:nvSpPr>
-          <p:cNvPr id="721" name="Google Shape;721;g4123adfa1f_2_540:notes"/>
+          <p:cNvPr id="216" name="Google Shape;216;g4123adfa1f_2_82:notes"/>
           <p:cNvSpPr>
             <a:spLocks noGrp="1" noRot="1" noChangeAspect="1"/>
           </p:cNvSpPr>
@@ -1552,8 +1658,8 @@
         </p:nvSpPr>
         <p:spPr>
           <a:xfrm>
-            <a:off x="1143000" y="685800"/>
-            <a:ext cx="4572000" cy="3429000"/>
+            <a:off x="381000" y="685800"/>
+            <a:ext cx="6096000" cy="3429000"/>
           </a:xfrm>
           <a:custGeom>
             <a:avLst/>
@@ -1582,6 +1688,120 @@
         </p:spPr>
       </p:sp>
     </p:spTree>
+    <p:extLst>
+      <p:ext uri="{BB962C8B-B14F-4D97-AF65-F5344CB8AC3E}">
+        <p14:creationId xmlns:p14="http://schemas.microsoft.com/office/powerpoint/2010/main" val="2152994387"/>
+      </p:ext>
+    </p:extLst>
+  </p:cSld>
+  <p:clrMapOvr>
+    <a:masterClrMapping/>
+  </p:clrMapOvr>
+</p:notes>
+</file>
+
+<file path=ppt/notesSlides/notesSlide9.xml><?xml version="1.0" encoding="utf-8"?>
+<p:notes xmlns:a="http://schemas.openxmlformats.org/drawingml/2006/main" xmlns:r="http://schemas.openxmlformats.org/officeDocument/2006/relationships" xmlns:p="http://schemas.openxmlformats.org/presentationml/2006/main" showMasterSp="0" showMasterPhAnim="0">
+  <p:cSld>
+    <p:spTree>
+      <p:nvGrpSpPr>
+        <p:cNvPr id="1" name="Shape 214"/>
+        <p:cNvGrpSpPr/>
+        <p:nvPr/>
+      </p:nvGrpSpPr>
+      <p:grpSpPr>
+        <a:xfrm>
+          <a:off x="0" y="0"/>
+          <a:ext cx="0" cy="0"/>
+          <a:chOff x="0" y="0"/>
+          <a:chExt cx="0" cy="0"/>
+        </a:xfrm>
+      </p:grpSpPr>
+      <p:sp>
+        <p:nvSpPr>
+          <p:cNvPr id="215" name="Google Shape;215;g4123adfa1f_2_82:notes"/>
+          <p:cNvSpPr txBox="1">
+            <a:spLocks noGrp="1"/>
+          </p:cNvSpPr>
+          <p:nvPr>
+            <p:ph type="body" idx="1"/>
+          </p:nvPr>
+        </p:nvSpPr>
+        <p:spPr>
+          <a:xfrm>
+            <a:off x="914400" y="4343400"/>
+            <a:ext cx="5029200" cy="4114800"/>
+          </a:xfrm>
+          <a:prstGeom prst="rect">
+            <a:avLst/>
+          </a:prstGeom>
+        </p:spPr>
+        <p:txBody>
+          <a:bodyPr spcFirstLastPara="1" wrap="square" lIns="91425" tIns="91425" rIns="91425" bIns="91425" anchor="t" anchorCtr="0">
+            <a:noAutofit/>
+          </a:bodyPr>
+          <a:lstStyle/>
+          <a:p>
+            <a:pPr marL="0" lvl="0" indent="0" algn="l" rtl="0">
+              <a:spcBef>
+                <a:spcPts val="0"/>
+              </a:spcBef>
+              <a:spcAft>
+                <a:spcPts val="0"/>
+              </a:spcAft>
+              <a:buNone/>
+            </a:pPr>
+            <a:endParaRPr/>
+          </a:p>
+        </p:txBody>
+      </p:sp>
+      <p:sp>
+        <p:nvSpPr>
+          <p:cNvPr id="216" name="Google Shape;216;g4123adfa1f_2_82:notes"/>
+          <p:cNvSpPr>
+            <a:spLocks noGrp="1" noRot="1" noChangeAspect="1"/>
+          </p:cNvSpPr>
+          <p:nvPr>
+            <p:ph type="sldImg" idx="2"/>
+          </p:nvPr>
+        </p:nvSpPr>
+        <p:spPr>
+          <a:xfrm>
+            <a:off x="381000" y="685800"/>
+            <a:ext cx="6096000" cy="3429000"/>
+          </a:xfrm>
+          <a:custGeom>
+            <a:avLst/>
+            <a:gdLst/>
+            <a:ahLst/>
+            <a:cxnLst/>
+            <a:rect l="l" t="t" r="r" b="b"/>
+            <a:pathLst>
+              <a:path w="120000" h="120000" extrusionOk="0">
+                <a:moveTo>
+                  <a:pt x="0" y="0"/>
+                </a:moveTo>
+                <a:lnTo>
+                  <a:pt x="120000" y="0"/>
+                </a:lnTo>
+                <a:lnTo>
+                  <a:pt x="120000" y="120000"/>
+                </a:lnTo>
+                <a:lnTo>
+                  <a:pt x="0" y="120000"/>
+                </a:lnTo>
+                <a:close/>
+              </a:path>
+            </a:pathLst>
+          </a:custGeom>
+        </p:spPr>
+      </p:sp>
+    </p:spTree>
+    <p:extLst>
+      <p:ext uri="{BB962C8B-B14F-4D97-AF65-F5344CB8AC3E}">
+        <p14:creationId xmlns:p14="http://schemas.microsoft.com/office/powerpoint/2010/main" val="4001384598"/>
+      </p:ext>
+    </p:extLst>
   </p:cSld>
   <p:clrMapOvr>
     <a:masterClrMapping/>
@@ -17600,6 +17820,58 @@
 </p:sld>
 </file>
 
+<file path=ppt/slides/slide10.xml><?xml version="1.0" encoding="utf-8"?>
+<p:sld xmlns:a="http://schemas.openxmlformats.org/drawingml/2006/main" xmlns:r="http://schemas.openxmlformats.org/officeDocument/2006/relationships" xmlns:p="http://schemas.openxmlformats.org/presentationml/2006/main">
+  <p:cSld>
+    <p:spTree>
+      <p:nvGrpSpPr>
+        <p:cNvPr id="1" name="Shape 722"/>
+        <p:cNvGrpSpPr/>
+        <p:nvPr/>
+      </p:nvGrpSpPr>
+      <p:grpSpPr>
+        <a:xfrm>
+          <a:off x="0" y="0"/>
+          <a:ext cx="0" cy="0"/>
+          <a:chOff x="0" y="0"/>
+          <a:chExt cx="0" cy="0"/>
+        </a:xfrm>
+      </p:grpSpPr>
+      <p:pic>
+        <p:nvPicPr>
+          <p:cNvPr id="723" name="Google Shape;723;p62" descr="IH_BLUE-LOGO_1200x1200.png"/>
+          <p:cNvPicPr preferRelativeResize="0"/>
+          <p:nvPr/>
+        </p:nvPicPr>
+        <p:blipFill rotWithShape="1">
+          <a:blip r:embed="rId3">
+            <a:alphaModFix/>
+          </a:blip>
+          <a:srcRect/>
+          <a:stretch/>
+        </p:blipFill>
+        <p:spPr>
+          <a:xfrm>
+            <a:off x="3822756" y="1822506"/>
+            <a:ext cx="1498489" cy="1498489"/>
+          </a:xfrm>
+          <a:prstGeom prst="rect">
+            <a:avLst/>
+          </a:prstGeom>
+          <a:noFill/>
+          <a:ln>
+            <a:noFill/>
+          </a:ln>
+        </p:spPr>
+      </p:pic>
+    </p:spTree>
+  </p:cSld>
+  <p:clrMapOvr>
+    <a:masterClrMapping/>
+  </p:clrMapOvr>
+</p:sld>
+</file>
+
 <file path=ppt/slides/slide2.xml><?xml version="1.0" encoding="utf-8"?>
 <p:sld xmlns:a="http://schemas.openxmlformats.org/drawingml/2006/main" xmlns:r="http://schemas.openxmlformats.org/officeDocument/2006/relationships" xmlns:p="http://schemas.openxmlformats.org/presentationml/2006/main">
   <p:cSld>
@@ -21463,7 +21735,7 @@
   <p:cSld>
     <p:spTree>
       <p:nvGrpSpPr>
-        <p:cNvPr id="1" name="Shape 722"/>
+        <p:cNvPr id="1" name="Shape 217"/>
         <p:cNvGrpSpPr/>
         <p:nvPr/>
       </p:nvGrpSpPr>
@@ -21477,7 +21749,7 @@
       </p:grpSpPr>
       <p:pic>
         <p:nvPicPr>
-          <p:cNvPr id="723" name="Google Shape;723;p62" descr="IH_BLUE-LOGO_1200x1200.png"/>
+          <p:cNvPr id="218" name="Google Shape;218;p32" descr="Image"/>
           <p:cNvPicPr preferRelativeResize="0"/>
           <p:nvPr/>
         </p:nvPicPr>
@@ -21490,8 +21762,8 @@
         </p:blipFill>
         <p:spPr>
           <a:xfrm>
-            <a:off x="3822756" y="1822506"/>
-            <a:ext cx="1498489" cy="1498489"/>
+            <a:off x="6948488" y="-2257425"/>
+            <a:ext cx="3448050" cy="3714750"/>
           </a:xfrm>
           <a:prstGeom prst="rect">
             <a:avLst/>
@@ -21502,7 +21774,820 @@
           </a:ln>
         </p:spPr>
       </p:pic>
+      <p:cxnSp>
+        <p:nvCxnSpPr>
+          <p:cNvPr id="219" name="Google Shape;219;p32"/>
+          <p:cNvCxnSpPr/>
+          <p:nvPr/>
+        </p:nvCxnSpPr>
+        <p:spPr>
+          <a:xfrm rot="10800000" flipH="1">
+            <a:off x="3579305" y="-29581"/>
+            <a:ext cx="0" cy="5202662"/>
+          </a:xfrm>
+          <a:prstGeom prst="straightConnector1">
+            <a:avLst/>
+          </a:prstGeom>
+          <a:noFill/>
+          <a:ln w="38100" cap="flat" cmpd="sng">
+            <a:solidFill>
+              <a:srgbClr val="D0D0D0"/>
+            </a:solidFill>
+            <a:prstDash val="solid"/>
+            <a:miter lim="400000"/>
+            <a:headEnd type="none" w="sm" len="sm"/>
+            <a:tailEnd type="none" w="sm" len="sm"/>
+          </a:ln>
+        </p:spPr>
+      </p:cxnSp>
+      <p:pic>
+        <p:nvPicPr>
+          <p:cNvPr id="220" name="Google Shape;220;p32" descr="Image"/>
+          <p:cNvPicPr preferRelativeResize="0"/>
+          <p:nvPr/>
+        </p:nvPicPr>
+        <p:blipFill rotWithShape="1">
+          <a:blip r:embed="rId4">
+            <a:alphaModFix/>
+          </a:blip>
+          <a:srcRect/>
+          <a:stretch/>
+        </p:blipFill>
+        <p:spPr>
+          <a:xfrm>
+            <a:off x="3515011" y="2300288"/>
+            <a:ext cx="128588" cy="542925"/>
+          </a:xfrm>
+          <a:prstGeom prst="rect">
+            <a:avLst/>
+          </a:prstGeom>
+          <a:noFill/>
+          <a:ln>
+            <a:noFill/>
+          </a:ln>
+        </p:spPr>
+      </p:pic>
+      <p:sp>
+        <p:nvSpPr>
+          <p:cNvPr id="225" name="Google Shape;225;p32"/>
+          <p:cNvSpPr/>
+          <p:nvPr/>
+        </p:nvSpPr>
+        <p:spPr>
+          <a:xfrm>
+            <a:off x="406400" y="488950"/>
+            <a:ext cx="2547111" cy="284163"/>
+          </a:xfrm>
+          <a:prstGeom prst="rect">
+            <a:avLst/>
+          </a:prstGeom>
+          <a:solidFill>
+            <a:srgbClr val="64C3F5"/>
+          </a:solidFill>
+          <a:ln>
+            <a:noFill/>
+          </a:ln>
+        </p:spPr>
+        <p:txBody>
+          <a:bodyPr spcFirstLastPara="1" wrap="square" lIns="0" tIns="0" rIns="0" bIns="0" anchor="ctr" anchorCtr="0">
+            <a:noAutofit/>
+          </a:bodyPr>
+          <a:lstStyle/>
+          <a:p>
+            <a:pPr marL="0" marR="0" lvl="0" indent="0" algn="ctr" rtl="0">
+              <a:lnSpc>
+                <a:spcPct val="100000"/>
+              </a:lnSpc>
+              <a:spcBef>
+                <a:spcPts val="0"/>
+              </a:spcBef>
+              <a:spcAft>
+                <a:spcPts val="0"/>
+              </a:spcAft>
+              <a:buClr>
+                <a:srgbClr val="FFFFFF"/>
+              </a:buClr>
+              <a:buSzPts val="1100"/>
+              <a:buFont typeface="Helvetica Neue"/>
+              <a:buNone/>
+            </a:pPr>
+            <a:endParaRPr sz="1100" b="1" i="0" u="none" strike="noStrike" cap="none">
+              <a:solidFill>
+                <a:srgbClr val="000000"/>
+              </a:solidFill>
+              <a:latin typeface="Arial"/>
+              <a:ea typeface="Arial"/>
+              <a:cs typeface="Arial"/>
+              <a:sym typeface="Arial"/>
+            </a:endParaRPr>
+          </a:p>
+        </p:txBody>
+      </p:sp>
+      <p:sp>
+        <p:nvSpPr>
+          <p:cNvPr id="226" name="Google Shape;226;p32"/>
+          <p:cNvSpPr txBox="1"/>
+          <p:nvPr/>
+        </p:nvSpPr>
+        <p:spPr>
+          <a:xfrm>
+            <a:off x="320728" y="473869"/>
+            <a:ext cx="2718456" cy="314325"/>
+          </a:xfrm>
+          <a:prstGeom prst="rect">
+            <a:avLst/>
+          </a:prstGeom>
+          <a:noFill/>
+          <a:ln>
+            <a:noFill/>
+          </a:ln>
+        </p:spPr>
+        <p:txBody>
+          <a:bodyPr spcFirstLastPara="1" wrap="square" lIns="19050" tIns="19050" rIns="19050" bIns="19050" anchor="t" anchorCtr="0">
+            <a:noAutofit/>
+          </a:bodyPr>
+          <a:lstStyle/>
+          <a:p>
+            <a:pPr marL="0" marR="0" lvl="0" indent="0" algn="l" rtl="0">
+              <a:lnSpc>
+                <a:spcPct val="100000"/>
+              </a:lnSpc>
+              <a:spcBef>
+                <a:spcPts val="0"/>
+              </a:spcBef>
+              <a:spcAft>
+                <a:spcPts val="0"/>
+              </a:spcAft>
+              <a:buClr>
+                <a:srgbClr val="FFFFFF"/>
+              </a:buClr>
+              <a:buSzPts val="2000"/>
+              <a:buFont typeface="Arial"/>
+              <a:buNone/>
+            </a:pPr>
+            <a:r>
+              <a:rPr lang="en" sz="2000" dirty="0">
+                <a:solidFill>
+                  <a:srgbClr val="FFFFFF"/>
+                </a:solidFill>
+                <a:latin typeface="Roboto"/>
+                <a:ea typeface="Roboto"/>
+                <a:cs typeface="Roboto"/>
+                <a:sym typeface="Roboto"/>
+              </a:rPr>
+              <a:t> SQL Relationships</a:t>
+            </a:r>
+            <a:endParaRPr sz="500" dirty="0">
+              <a:latin typeface="Roboto"/>
+              <a:ea typeface="Roboto"/>
+              <a:cs typeface="Roboto"/>
+              <a:sym typeface="Roboto"/>
+            </a:endParaRPr>
+          </a:p>
+        </p:txBody>
+      </p:sp>
+      <p:sp>
+        <p:nvSpPr>
+          <p:cNvPr id="9" name="Google Shape;221;p32">
+            <a:extLst>
+              <a:ext uri="{FF2B5EF4-FFF2-40B4-BE49-F238E27FC236}">
+                <a16:creationId xmlns:a16="http://schemas.microsoft.com/office/drawing/2014/main" id="{5886E3F8-99E3-2648-B0C4-004EC4DF914F}"/>
+              </a:ext>
+            </a:extLst>
+          </p:cNvPr>
+          <p:cNvSpPr txBox="1"/>
+          <p:nvPr/>
+        </p:nvSpPr>
+        <p:spPr>
+          <a:xfrm>
+            <a:off x="-166969" y="2016919"/>
+            <a:ext cx="3518031" cy="1309688"/>
+          </a:xfrm>
+          <a:prstGeom prst="rect">
+            <a:avLst/>
+          </a:prstGeom>
+          <a:noFill/>
+          <a:ln>
+            <a:noFill/>
+          </a:ln>
+        </p:spPr>
+        <p:txBody>
+          <a:bodyPr spcFirstLastPara="1" wrap="square" lIns="19050" tIns="19050" rIns="19050" bIns="19050" anchor="ctr" anchorCtr="0">
+            <a:noAutofit/>
+          </a:bodyPr>
+          <a:lstStyle/>
+          <a:p>
+            <a:pPr marL="0" marR="0" lvl="0" indent="0" algn="r" rtl="0">
+              <a:lnSpc>
+                <a:spcPct val="100000"/>
+              </a:lnSpc>
+              <a:spcBef>
+                <a:spcPts val="0"/>
+              </a:spcBef>
+              <a:spcAft>
+                <a:spcPts val="0"/>
+              </a:spcAft>
+              <a:buClr>
+                <a:srgbClr val="000000"/>
+              </a:buClr>
+              <a:buSzPts val="3000"/>
+              <a:buFont typeface="Arial"/>
+              <a:buNone/>
+            </a:pPr>
+            <a:r>
+              <a:rPr lang="en-US" sz="3000" b="1" dirty="0">
+                <a:latin typeface="Roboto"/>
+                <a:ea typeface="Roboto"/>
+                <a:cs typeface="Roboto"/>
+                <a:sym typeface="Roboto"/>
+              </a:rPr>
+              <a:t>One to One</a:t>
+            </a:r>
+          </a:p>
+          <a:p>
+            <a:pPr marL="0" marR="0" lvl="0" indent="0" algn="r" rtl="0">
+              <a:lnSpc>
+                <a:spcPct val="100000"/>
+              </a:lnSpc>
+              <a:spcBef>
+                <a:spcPts val="0"/>
+              </a:spcBef>
+              <a:spcAft>
+                <a:spcPts val="0"/>
+              </a:spcAft>
+              <a:buClr>
+                <a:srgbClr val="000000"/>
+              </a:buClr>
+              <a:buSzPts val="3000"/>
+              <a:buFont typeface="Arial"/>
+              <a:buNone/>
+            </a:pPr>
+            <a:endParaRPr lang="en-US" sz="3000" b="1" dirty="0">
+              <a:latin typeface="Roboto"/>
+              <a:ea typeface="Roboto"/>
+              <a:cs typeface="Roboto"/>
+              <a:sym typeface="Roboto"/>
+            </a:endParaRPr>
+          </a:p>
+          <a:p>
+            <a:pPr marL="0" marR="0" lvl="0" indent="0" algn="r" rtl="0">
+              <a:lnSpc>
+                <a:spcPct val="100000"/>
+              </a:lnSpc>
+              <a:spcBef>
+                <a:spcPts val="0"/>
+              </a:spcBef>
+              <a:spcAft>
+                <a:spcPts val="0"/>
+              </a:spcAft>
+              <a:buClr>
+                <a:srgbClr val="000000"/>
+              </a:buClr>
+              <a:buSzPts val="3000"/>
+              <a:buFont typeface="Arial"/>
+              <a:buNone/>
+            </a:pPr>
+            <a:r>
+              <a:rPr lang="en-US" sz="3000" b="1" dirty="0">
+                <a:latin typeface="Roboto"/>
+                <a:ea typeface="Roboto"/>
+                <a:cs typeface="Roboto"/>
+                <a:sym typeface="Roboto"/>
+              </a:rPr>
+              <a:t>One to Many</a:t>
+            </a:r>
+          </a:p>
+          <a:p>
+            <a:pPr marL="0" marR="0" lvl="0" indent="0" algn="r" rtl="0">
+              <a:lnSpc>
+                <a:spcPct val="100000"/>
+              </a:lnSpc>
+              <a:spcBef>
+                <a:spcPts val="0"/>
+              </a:spcBef>
+              <a:spcAft>
+                <a:spcPts val="0"/>
+              </a:spcAft>
+              <a:buClr>
+                <a:srgbClr val="000000"/>
+              </a:buClr>
+              <a:buSzPts val="3000"/>
+              <a:buFont typeface="Arial"/>
+              <a:buNone/>
+            </a:pPr>
+            <a:endParaRPr lang="en-US" sz="3000" b="1" dirty="0">
+              <a:latin typeface="Roboto"/>
+              <a:ea typeface="Roboto"/>
+              <a:cs typeface="Roboto"/>
+              <a:sym typeface="Roboto"/>
+            </a:endParaRPr>
+          </a:p>
+          <a:p>
+            <a:pPr marL="0" marR="0" lvl="0" indent="0" algn="r" rtl="0">
+              <a:lnSpc>
+                <a:spcPct val="100000"/>
+              </a:lnSpc>
+              <a:spcBef>
+                <a:spcPts val="0"/>
+              </a:spcBef>
+              <a:spcAft>
+                <a:spcPts val="0"/>
+              </a:spcAft>
+              <a:buClr>
+                <a:srgbClr val="000000"/>
+              </a:buClr>
+              <a:buSzPts val="3000"/>
+              <a:buFont typeface="Arial"/>
+              <a:buNone/>
+            </a:pPr>
+            <a:r>
+              <a:rPr lang="en-US" sz="3000" b="1" dirty="0">
+                <a:latin typeface="Roboto"/>
+                <a:ea typeface="Roboto"/>
+                <a:cs typeface="Roboto"/>
+                <a:sym typeface="Roboto"/>
+              </a:rPr>
+              <a:t>Many to Many</a:t>
+            </a:r>
+          </a:p>
+        </p:txBody>
+      </p:sp>
+      <p:pic>
+        <p:nvPicPr>
+          <p:cNvPr id="3" name="Picture 2">
+            <a:extLst>
+              <a:ext uri="{FF2B5EF4-FFF2-40B4-BE49-F238E27FC236}">
+                <a16:creationId xmlns:a16="http://schemas.microsoft.com/office/drawing/2014/main" id="{548FE2B2-D64C-0247-8440-C2A24462C25D}"/>
+              </a:ext>
+            </a:extLst>
+          </p:cNvPr>
+          <p:cNvPicPr>
+            <a:picLocks noChangeAspect="1"/>
+          </p:cNvPicPr>
+          <p:nvPr/>
+        </p:nvPicPr>
+        <p:blipFill>
+          <a:blip r:embed="rId5"/>
+          <a:stretch>
+            <a:fillRect/>
+          </a:stretch>
+        </p:blipFill>
+        <p:spPr>
+          <a:xfrm>
+            <a:off x="4266184" y="885825"/>
+            <a:ext cx="3556000" cy="571500"/>
+          </a:xfrm>
+          <a:prstGeom prst="rect">
+            <a:avLst/>
+          </a:prstGeom>
+        </p:spPr>
+      </p:pic>
+      <p:pic>
+        <p:nvPicPr>
+          <p:cNvPr id="4" name="Picture 3">
+            <a:extLst>
+              <a:ext uri="{FF2B5EF4-FFF2-40B4-BE49-F238E27FC236}">
+                <a16:creationId xmlns:a16="http://schemas.microsoft.com/office/drawing/2014/main" id="{FD300E97-916A-BF41-BB35-5134E1197410}"/>
+              </a:ext>
+            </a:extLst>
+          </p:cNvPr>
+          <p:cNvPicPr>
+            <a:picLocks noChangeAspect="1"/>
+          </p:cNvPicPr>
+          <p:nvPr/>
+        </p:nvPicPr>
+        <p:blipFill>
+          <a:blip r:embed="rId6"/>
+          <a:stretch>
+            <a:fillRect/>
+          </a:stretch>
+        </p:blipFill>
+        <p:spPr>
+          <a:xfrm>
+            <a:off x="4420959" y="1744790"/>
+            <a:ext cx="3246450" cy="2196846"/>
+          </a:xfrm>
+          <a:prstGeom prst="rect">
+            <a:avLst/>
+          </a:prstGeom>
+        </p:spPr>
+      </p:pic>
+      <p:sp>
+        <p:nvSpPr>
+          <p:cNvPr id="5" name="TextBox 4">
+            <a:extLst>
+              <a:ext uri="{FF2B5EF4-FFF2-40B4-BE49-F238E27FC236}">
+                <a16:creationId xmlns:a16="http://schemas.microsoft.com/office/drawing/2014/main" id="{5515D33A-3BCD-5948-ACE9-72B417D614B0}"/>
+              </a:ext>
+            </a:extLst>
+          </p:cNvPr>
+          <p:cNvSpPr txBox="1"/>
+          <p:nvPr/>
+        </p:nvSpPr>
+        <p:spPr>
+          <a:xfrm>
+            <a:off x="5613528" y="650002"/>
+            <a:ext cx="1163394" cy="253916"/>
+          </a:xfrm>
+          <a:prstGeom prst="rect">
+            <a:avLst/>
+          </a:prstGeom>
+          <a:noFill/>
+        </p:spPr>
+        <p:txBody>
+          <a:bodyPr wrap="square" rtlCol="0">
+            <a:spAutoFit/>
+          </a:bodyPr>
+          <a:lstStyle/>
+          <a:p>
+            <a:r>
+              <a:rPr lang="en-US" sz="1050" b="1" dirty="0"/>
+              <a:t>One to One</a:t>
+            </a:r>
+          </a:p>
+        </p:txBody>
+      </p:sp>
     </p:spTree>
+    <p:extLst>
+      <p:ext uri="{BB962C8B-B14F-4D97-AF65-F5344CB8AC3E}">
+        <p14:creationId xmlns:p14="http://schemas.microsoft.com/office/powerpoint/2010/main" val="2836789568"/>
+      </p:ext>
+    </p:extLst>
+  </p:cSld>
+  <p:clrMapOvr>
+    <a:masterClrMapping/>
+  </p:clrMapOvr>
+</p:sld>
+</file>
+
+<file path=ppt/slides/slide9.xml><?xml version="1.0" encoding="utf-8"?>
+<p:sld xmlns:a="http://schemas.openxmlformats.org/drawingml/2006/main" xmlns:r="http://schemas.openxmlformats.org/officeDocument/2006/relationships" xmlns:p="http://schemas.openxmlformats.org/presentationml/2006/main">
+  <p:cSld>
+    <p:spTree>
+      <p:nvGrpSpPr>
+        <p:cNvPr id="1" name="Shape 217"/>
+        <p:cNvGrpSpPr/>
+        <p:nvPr/>
+      </p:nvGrpSpPr>
+      <p:grpSpPr>
+        <a:xfrm>
+          <a:off x="0" y="0"/>
+          <a:ext cx="0" cy="0"/>
+          <a:chOff x="0" y="0"/>
+          <a:chExt cx="0" cy="0"/>
+        </a:xfrm>
+      </p:grpSpPr>
+      <p:pic>
+        <p:nvPicPr>
+          <p:cNvPr id="218" name="Google Shape;218;p32" descr="Image"/>
+          <p:cNvPicPr preferRelativeResize="0"/>
+          <p:nvPr/>
+        </p:nvPicPr>
+        <p:blipFill rotWithShape="1">
+          <a:blip r:embed="rId3">
+            <a:alphaModFix/>
+          </a:blip>
+          <a:srcRect/>
+          <a:stretch/>
+        </p:blipFill>
+        <p:spPr>
+          <a:xfrm>
+            <a:off x="6948488" y="-2257425"/>
+            <a:ext cx="3448050" cy="3714750"/>
+          </a:xfrm>
+          <a:prstGeom prst="rect">
+            <a:avLst/>
+          </a:prstGeom>
+          <a:noFill/>
+          <a:ln>
+            <a:noFill/>
+          </a:ln>
+        </p:spPr>
+      </p:pic>
+      <p:cxnSp>
+        <p:nvCxnSpPr>
+          <p:cNvPr id="219" name="Google Shape;219;p32"/>
+          <p:cNvCxnSpPr/>
+          <p:nvPr/>
+        </p:nvCxnSpPr>
+        <p:spPr>
+          <a:xfrm rot="10800000" flipH="1">
+            <a:off x="3579305" y="-29581"/>
+            <a:ext cx="0" cy="5202662"/>
+          </a:xfrm>
+          <a:prstGeom prst="straightConnector1">
+            <a:avLst/>
+          </a:prstGeom>
+          <a:noFill/>
+          <a:ln w="38100" cap="flat" cmpd="sng">
+            <a:solidFill>
+              <a:srgbClr val="D0D0D0"/>
+            </a:solidFill>
+            <a:prstDash val="solid"/>
+            <a:miter lim="400000"/>
+            <a:headEnd type="none" w="sm" len="sm"/>
+            <a:tailEnd type="none" w="sm" len="sm"/>
+          </a:ln>
+        </p:spPr>
+      </p:cxnSp>
+      <p:pic>
+        <p:nvPicPr>
+          <p:cNvPr id="220" name="Google Shape;220;p32" descr="Image"/>
+          <p:cNvPicPr preferRelativeResize="0"/>
+          <p:nvPr/>
+        </p:nvPicPr>
+        <p:blipFill rotWithShape="1">
+          <a:blip r:embed="rId4">
+            <a:alphaModFix/>
+          </a:blip>
+          <a:srcRect/>
+          <a:stretch/>
+        </p:blipFill>
+        <p:spPr>
+          <a:xfrm>
+            <a:off x="3515011" y="2300288"/>
+            <a:ext cx="128588" cy="542925"/>
+          </a:xfrm>
+          <a:prstGeom prst="rect">
+            <a:avLst/>
+          </a:prstGeom>
+          <a:noFill/>
+          <a:ln>
+            <a:noFill/>
+          </a:ln>
+        </p:spPr>
+      </p:pic>
+      <p:sp>
+        <p:nvSpPr>
+          <p:cNvPr id="225" name="Google Shape;225;p32"/>
+          <p:cNvSpPr/>
+          <p:nvPr/>
+        </p:nvSpPr>
+        <p:spPr>
+          <a:xfrm>
+            <a:off x="406400" y="488950"/>
+            <a:ext cx="2547111" cy="284163"/>
+          </a:xfrm>
+          <a:prstGeom prst="rect">
+            <a:avLst/>
+          </a:prstGeom>
+          <a:solidFill>
+            <a:srgbClr val="64C3F5"/>
+          </a:solidFill>
+          <a:ln>
+            <a:noFill/>
+          </a:ln>
+        </p:spPr>
+        <p:txBody>
+          <a:bodyPr spcFirstLastPara="1" wrap="square" lIns="0" tIns="0" rIns="0" bIns="0" anchor="ctr" anchorCtr="0">
+            <a:noAutofit/>
+          </a:bodyPr>
+          <a:lstStyle/>
+          <a:p>
+            <a:pPr marL="0" marR="0" lvl="0" indent="0" algn="ctr" rtl="0">
+              <a:lnSpc>
+                <a:spcPct val="100000"/>
+              </a:lnSpc>
+              <a:spcBef>
+                <a:spcPts val="0"/>
+              </a:spcBef>
+              <a:spcAft>
+                <a:spcPts val="0"/>
+              </a:spcAft>
+              <a:buClr>
+                <a:srgbClr val="FFFFFF"/>
+              </a:buClr>
+              <a:buSzPts val="1100"/>
+              <a:buFont typeface="Helvetica Neue"/>
+              <a:buNone/>
+            </a:pPr>
+            <a:endParaRPr sz="1100" b="1" i="0" u="none" strike="noStrike" cap="none">
+              <a:solidFill>
+                <a:srgbClr val="000000"/>
+              </a:solidFill>
+              <a:latin typeface="Arial"/>
+              <a:ea typeface="Arial"/>
+              <a:cs typeface="Arial"/>
+              <a:sym typeface="Arial"/>
+            </a:endParaRPr>
+          </a:p>
+        </p:txBody>
+      </p:sp>
+      <p:sp>
+        <p:nvSpPr>
+          <p:cNvPr id="226" name="Google Shape;226;p32"/>
+          <p:cNvSpPr txBox="1"/>
+          <p:nvPr/>
+        </p:nvSpPr>
+        <p:spPr>
+          <a:xfrm>
+            <a:off x="320728" y="473869"/>
+            <a:ext cx="2718456" cy="314325"/>
+          </a:xfrm>
+          <a:prstGeom prst="rect">
+            <a:avLst/>
+          </a:prstGeom>
+          <a:noFill/>
+          <a:ln>
+            <a:noFill/>
+          </a:ln>
+        </p:spPr>
+        <p:txBody>
+          <a:bodyPr spcFirstLastPara="1" wrap="square" lIns="19050" tIns="19050" rIns="19050" bIns="19050" anchor="t" anchorCtr="0">
+            <a:noAutofit/>
+          </a:bodyPr>
+          <a:lstStyle/>
+          <a:p>
+            <a:pPr marL="0" marR="0" lvl="0" indent="0" algn="l" rtl="0">
+              <a:lnSpc>
+                <a:spcPct val="100000"/>
+              </a:lnSpc>
+              <a:spcBef>
+                <a:spcPts val="0"/>
+              </a:spcBef>
+              <a:spcAft>
+                <a:spcPts val="0"/>
+              </a:spcAft>
+              <a:buClr>
+                <a:srgbClr val="FFFFFF"/>
+              </a:buClr>
+              <a:buSzPts val="2000"/>
+              <a:buFont typeface="Arial"/>
+              <a:buNone/>
+            </a:pPr>
+            <a:r>
+              <a:rPr lang="en" sz="2000" dirty="0">
+                <a:solidFill>
+                  <a:srgbClr val="FFFFFF"/>
+                </a:solidFill>
+                <a:latin typeface="Roboto"/>
+                <a:ea typeface="Roboto"/>
+                <a:cs typeface="Roboto"/>
+                <a:sym typeface="Roboto"/>
+              </a:rPr>
+              <a:t> SQL Joins</a:t>
+            </a:r>
+            <a:endParaRPr sz="500" dirty="0">
+              <a:latin typeface="Roboto"/>
+              <a:ea typeface="Roboto"/>
+              <a:cs typeface="Roboto"/>
+              <a:sym typeface="Roboto"/>
+            </a:endParaRPr>
+          </a:p>
+        </p:txBody>
+      </p:sp>
+      <p:sp>
+        <p:nvSpPr>
+          <p:cNvPr id="9" name="Google Shape;221;p32">
+            <a:extLst>
+              <a:ext uri="{FF2B5EF4-FFF2-40B4-BE49-F238E27FC236}">
+                <a16:creationId xmlns:a16="http://schemas.microsoft.com/office/drawing/2014/main" id="{5886E3F8-99E3-2648-B0C4-004EC4DF914F}"/>
+              </a:ext>
+            </a:extLst>
+          </p:cNvPr>
+          <p:cNvSpPr txBox="1"/>
+          <p:nvPr/>
+        </p:nvSpPr>
+        <p:spPr>
+          <a:xfrm>
+            <a:off x="-166969" y="2016919"/>
+            <a:ext cx="3518031" cy="1309688"/>
+          </a:xfrm>
+          <a:prstGeom prst="rect">
+            <a:avLst/>
+          </a:prstGeom>
+          <a:noFill/>
+          <a:ln>
+            <a:noFill/>
+          </a:ln>
+        </p:spPr>
+        <p:txBody>
+          <a:bodyPr spcFirstLastPara="1" wrap="square" lIns="19050" tIns="19050" rIns="19050" bIns="19050" anchor="ctr" anchorCtr="0">
+            <a:noAutofit/>
+          </a:bodyPr>
+          <a:lstStyle/>
+          <a:p>
+            <a:pPr marL="0" marR="0" lvl="0" indent="0" algn="r" rtl="0">
+              <a:lnSpc>
+                <a:spcPct val="100000"/>
+              </a:lnSpc>
+              <a:spcBef>
+                <a:spcPts val="0"/>
+              </a:spcBef>
+              <a:spcAft>
+                <a:spcPts val="0"/>
+              </a:spcAft>
+              <a:buClr>
+                <a:srgbClr val="000000"/>
+              </a:buClr>
+              <a:buSzPts val="3000"/>
+              <a:buFont typeface="Arial"/>
+              <a:buNone/>
+            </a:pPr>
+            <a:r>
+              <a:rPr lang="en-US" sz="3000" b="1" dirty="0">
+                <a:latin typeface="Roboto"/>
+                <a:ea typeface="Roboto"/>
+                <a:cs typeface="Roboto"/>
+                <a:sym typeface="Roboto"/>
+              </a:rPr>
+              <a:t>Multiple </a:t>
+            </a:r>
+          </a:p>
+          <a:p>
+            <a:pPr marL="0" marR="0" lvl="0" indent="0" algn="r" rtl="0">
+              <a:lnSpc>
+                <a:spcPct val="100000"/>
+              </a:lnSpc>
+              <a:spcBef>
+                <a:spcPts val="0"/>
+              </a:spcBef>
+              <a:spcAft>
+                <a:spcPts val="0"/>
+              </a:spcAft>
+              <a:buClr>
+                <a:srgbClr val="000000"/>
+              </a:buClr>
+              <a:buSzPts val="3000"/>
+              <a:buFont typeface="Arial"/>
+              <a:buNone/>
+            </a:pPr>
+            <a:r>
+              <a:rPr lang="en-US" sz="3000" b="1" dirty="0">
+                <a:latin typeface="Roboto"/>
+                <a:ea typeface="Roboto"/>
+                <a:cs typeface="Roboto"/>
+                <a:sym typeface="Roboto"/>
+              </a:rPr>
+              <a:t>Joins in</a:t>
+            </a:r>
+          </a:p>
+          <a:p>
+            <a:pPr marL="0" marR="0" lvl="0" indent="0" algn="r" rtl="0">
+              <a:lnSpc>
+                <a:spcPct val="100000"/>
+              </a:lnSpc>
+              <a:spcBef>
+                <a:spcPts val="0"/>
+              </a:spcBef>
+              <a:spcAft>
+                <a:spcPts val="0"/>
+              </a:spcAft>
+              <a:buClr>
+                <a:srgbClr val="000000"/>
+              </a:buClr>
+              <a:buSzPts val="3000"/>
+              <a:buFont typeface="Arial"/>
+              <a:buNone/>
+            </a:pPr>
+            <a:r>
+              <a:rPr lang="en-US" sz="3000" b="1" dirty="0">
+                <a:latin typeface="Roboto"/>
+                <a:ea typeface="Roboto"/>
+                <a:cs typeface="Roboto"/>
+                <a:sym typeface="Roboto"/>
+              </a:rPr>
+              <a:t>SQL</a:t>
+            </a:r>
+          </a:p>
+        </p:txBody>
+      </p:sp>
+      <p:pic>
+        <p:nvPicPr>
+          <p:cNvPr id="2" name="Picture 1">
+            <a:extLst>
+              <a:ext uri="{FF2B5EF4-FFF2-40B4-BE49-F238E27FC236}">
+                <a16:creationId xmlns:a16="http://schemas.microsoft.com/office/drawing/2014/main" id="{F1F24ED5-F469-BD40-88E1-6E3F59E25284}"/>
+              </a:ext>
+            </a:extLst>
+          </p:cNvPr>
+          <p:cNvPicPr>
+            <a:picLocks noChangeAspect="1"/>
+          </p:cNvPicPr>
+          <p:nvPr/>
+        </p:nvPicPr>
+        <p:blipFill>
+          <a:blip r:embed="rId5"/>
+          <a:stretch>
+            <a:fillRect/>
+          </a:stretch>
+        </p:blipFill>
+        <p:spPr>
+          <a:xfrm>
+            <a:off x="3807547" y="1269746"/>
+            <a:ext cx="5069704" cy="2204974"/>
+          </a:xfrm>
+          <a:prstGeom prst="rect">
+            <a:avLst/>
+          </a:prstGeom>
+        </p:spPr>
+      </p:pic>
+    </p:spTree>
+    <p:extLst>
+      <p:ext uri="{BB962C8B-B14F-4D97-AF65-F5344CB8AC3E}">
+        <p14:creationId xmlns:p14="http://schemas.microsoft.com/office/powerpoint/2010/main" val="3278287644"/>
+      </p:ext>
+    </p:extLst>
   </p:cSld>
   <p:clrMapOvr>
     <a:masterClrMapping/>
